--- a/Project4.pptx
+++ b/Project4.pptx
@@ -5,16 +5,17 @@
     <p:sldMasterId id="2147483660" r:id="rId1"/>
   </p:sldMasterIdLst>
   <p:notesMasterIdLst>
-    <p:notesMasterId r:id="rId9"/>
+    <p:notesMasterId r:id="rId10"/>
   </p:notesMasterIdLst>
   <p:sldIdLst>
     <p:sldId id="256" r:id="rId2"/>
     <p:sldId id="257" r:id="rId3"/>
     <p:sldId id="259" r:id="rId4"/>
     <p:sldId id="260" r:id="rId5"/>
-    <p:sldId id="261" r:id="rId6"/>
-    <p:sldId id="264" r:id="rId7"/>
-    <p:sldId id="263" r:id="rId8"/>
+    <p:sldId id="265" r:id="rId6"/>
+    <p:sldId id="261" r:id="rId7"/>
+    <p:sldId id="264" r:id="rId8"/>
+    <p:sldId id="263" r:id="rId9"/>
   </p:sldIdLst>
   <p:sldSz cx="12192000" cy="6858000"/>
   <p:notesSz cx="6858000" cy="9144000"/>
@@ -113,6 +114,11 @@
       </a:defRPr>
     </a:lvl9pPr>
   </p:defaultTextStyle>
+  <p:extLst>
+    <p:ext uri="{EFAFB233-063F-42B5-8137-9DF3F51BA10A}">
+      <p15:sldGuideLst xmlns:p15="http://schemas.microsoft.com/office/powerpoint/2012/main"/>
+    </p:ext>
+  </p:extLst>
 </p:presentation>
 </file>
 
@@ -198,7 +204,7 @@
           <a:p>
             <a:fld id="{CDD071A8-C61E-724D-ABD6-DF3CE32ABD66}" type="datetimeFigureOut">
               <a:rPr lang="en-US" smtClean="0"/>
-              <a:t>3/10/25</a:t>
+              <a:t>3/12/25</a:t>
             </a:fld>
             <a:endParaRPr lang="en-US"/>
           </a:p>
@@ -772,7 +778,7 @@
           <a:p>
             <a:r>
               <a:rPr lang="en-US" dirty="0"/>
-              <a:t>Oanh</a:t>
+              <a:t>Rania</a:t>
             </a:r>
           </a:p>
         </p:txBody>
@@ -818,7 +824,13 @@
   <p:cSld>
     <p:spTree>
       <p:nvGrpSpPr>
-        <p:cNvPr id="1" name=""/>
+        <p:cNvPr id="1" name="">
+          <a:extLst>
+            <a:ext uri="{FF2B5EF4-FFF2-40B4-BE49-F238E27FC236}">
+              <a16:creationId xmlns:a16="http://schemas.microsoft.com/office/drawing/2014/main" id="{19EF83A8-B57B-9676-7037-BD2FD8C7CCAB}"/>
+            </a:ext>
+          </a:extLst>
+        </p:cNvPr>
         <p:cNvGrpSpPr/>
         <p:nvPr/>
       </p:nvGrpSpPr>
@@ -832,7 +844,13 @@
       </p:grpSpPr>
       <p:sp>
         <p:nvSpPr>
-          <p:cNvPr id="2" name="Slide Image Placeholder 1"/>
+          <p:cNvPr id="2" name="Slide Image Placeholder 1">
+            <a:extLst>
+              <a:ext uri="{FF2B5EF4-FFF2-40B4-BE49-F238E27FC236}">
+                <a16:creationId xmlns:a16="http://schemas.microsoft.com/office/drawing/2014/main" id="{CBCC9F23-C14E-3ABE-40B5-2728CF488F95}"/>
+              </a:ext>
+            </a:extLst>
+          </p:cNvPr>
           <p:cNvSpPr>
             <a:spLocks noGrp="1" noRot="1" noChangeAspect="1"/>
           </p:cNvSpPr>
@@ -844,7 +862,13 @@
       </p:sp>
       <p:sp>
         <p:nvSpPr>
-          <p:cNvPr id="3" name="Notes Placeholder 2"/>
+          <p:cNvPr id="3" name="Notes Placeholder 2">
+            <a:extLst>
+              <a:ext uri="{FF2B5EF4-FFF2-40B4-BE49-F238E27FC236}">
+                <a16:creationId xmlns:a16="http://schemas.microsoft.com/office/drawing/2014/main" id="{CD309F69-1C86-44D6-D595-DD74C3080FD1}"/>
+              </a:ext>
+            </a:extLst>
+          </p:cNvPr>
           <p:cNvSpPr>
             <a:spLocks noGrp="1"/>
           </p:cNvSpPr>
@@ -866,7 +890,13 @@
       </p:sp>
       <p:sp>
         <p:nvSpPr>
-          <p:cNvPr id="4" name="Slide Number Placeholder 3"/>
+          <p:cNvPr id="4" name="Slide Number Placeholder 3">
+            <a:extLst>
+              <a:ext uri="{FF2B5EF4-FFF2-40B4-BE49-F238E27FC236}">
+                <a16:creationId xmlns:a16="http://schemas.microsoft.com/office/drawing/2014/main" id="{DA054E97-7538-D1E5-9412-C85C2A0C662A}"/>
+              </a:ext>
+            </a:extLst>
+          </p:cNvPr>
           <p:cNvSpPr>
             <a:spLocks noGrp="1"/>
           </p:cNvSpPr>
@@ -890,7 +920,7 @@
     </p:spTree>
     <p:extLst>
       <p:ext uri="{BB962C8B-B14F-4D97-AF65-F5344CB8AC3E}">
-        <p14:creationId xmlns:p14="http://schemas.microsoft.com/office/powerpoint/2010/main" val="706823631"/>
+        <p14:creationId xmlns:p14="http://schemas.microsoft.com/office/powerpoint/2010/main" val="1740119919"/>
       </p:ext>
     </p:extLst>
   </p:cSld>
@@ -946,7 +976,7 @@
           <a:p>
             <a:r>
               <a:rPr lang="en-US" dirty="0"/>
-              <a:t>Anna</a:t>
+              <a:t>Oanh</a:t>
             </a:r>
           </a:p>
         </p:txBody>
@@ -977,7 +1007,7 @@
     </p:spTree>
     <p:extLst>
       <p:ext uri="{BB962C8B-B14F-4D97-AF65-F5344CB8AC3E}">
-        <p14:creationId xmlns:p14="http://schemas.microsoft.com/office/powerpoint/2010/main" val="2470218754"/>
+        <p14:creationId xmlns:p14="http://schemas.microsoft.com/office/powerpoint/2010/main" val="706823631"/>
       </p:ext>
     </p:extLst>
   </p:cSld>
@@ -1056,6 +1086,93 @@
             <a:fld id="{B6B60B92-DD6E-624C-A659-F93BC69EC530}" type="slidenum">
               <a:rPr lang="en-US" smtClean="0"/>
               <a:t>7</a:t>
+            </a:fld>
+            <a:endParaRPr lang="en-US"/>
+          </a:p>
+        </p:txBody>
+      </p:sp>
+    </p:spTree>
+    <p:extLst>
+      <p:ext uri="{BB962C8B-B14F-4D97-AF65-F5344CB8AC3E}">
+        <p14:creationId xmlns:p14="http://schemas.microsoft.com/office/powerpoint/2010/main" val="2470218754"/>
+      </p:ext>
+    </p:extLst>
+  </p:cSld>
+  <p:clrMapOvr>
+    <a:masterClrMapping/>
+  </p:clrMapOvr>
+</p:notes>
+</file>
+
+<file path=ppt/notesSlides/notesSlide8.xml><?xml version="1.0" encoding="utf-8"?>
+<p:notes xmlns:a="http://schemas.openxmlformats.org/drawingml/2006/main" xmlns:r="http://schemas.openxmlformats.org/officeDocument/2006/relationships" xmlns:p="http://schemas.openxmlformats.org/presentationml/2006/main">
+  <p:cSld>
+    <p:spTree>
+      <p:nvGrpSpPr>
+        <p:cNvPr id="1" name=""/>
+        <p:cNvGrpSpPr/>
+        <p:nvPr/>
+      </p:nvGrpSpPr>
+      <p:grpSpPr>
+        <a:xfrm>
+          <a:off x="0" y="0"/>
+          <a:ext cx="0" cy="0"/>
+          <a:chOff x="0" y="0"/>
+          <a:chExt cx="0" cy="0"/>
+        </a:xfrm>
+      </p:grpSpPr>
+      <p:sp>
+        <p:nvSpPr>
+          <p:cNvPr id="2" name="Slide Image Placeholder 1"/>
+          <p:cNvSpPr>
+            <a:spLocks noGrp="1" noRot="1" noChangeAspect="1"/>
+          </p:cNvSpPr>
+          <p:nvPr>
+            <p:ph type="sldImg"/>
+          </p:nvPr>
+        </p:nvSpPr>
+        <p:spPr/>
+      </p:sp>
+      <p:sp>
+        <p:nvSpPr>
+          <p:cNvPr id="3" name="Notes Placeholder 2"/>
+          <p:cNvSpPr>
+            <a:spLocks noGrp="1"/>
+          </p:cNvSpPr>
+          <p:nvPr>
+            <p:ph type="body" idx="1"/>
+          </p:nvPr>
+        </p:nvSpPr>
+        <p:spPr/>
+        <p:txBody>
+          <a:bodyPr/>
+          <a:lstStyle/>
+          <a:p>
+            <a:r>
+              <a:rPr lang="en-US" dirty="0"/>
+              <a:t>Anna</a:t>
+            </a:r>
+          </a:p>
+        </p:txBody>
+      </p:sp>
+      <p:sp>
+        <p:nvSpPr>
+          <p:cNvPr id="4" name="Slide Number Placeholder 3"/>
+          <p:cNvSpPr>
+            <a:spLocks noGrp="1"/>
+          </p:cNvSpPr>
+          <p:nvPr>
+            <p:ph type="sldNum" sz="quarter" idx="5"/>
+          </p:nvPr>
+        </p:nvSpPr>
+        <p:spPr/>
+        <p:txBody>
+          <a:bodyPr/>
+          <a:lstStyle/>
+          <a:p>
+            <a:fld id="{B6B60B92-DD6E-624C-A659-F93BC69EC530}" type="slidenum">
+              <a:rPr lang="en-US" smtClean="0"/>
+              <a:t>8</a:t>
             </a:fld>
             <a:endParaRPr lang="en-US"/>
           </a:p>
@@ -1237,7 +1354,7 @@
           <a:p>
             <a:fld id="{474AC19D-6691-A44B-84F7-FE3AB094DC93}" type="datetimeFigureOut">
               <a:rPr lang="en-US" smtClean="0"/>
-              <a:t>3/10/25</a:t>
+              <a:t>3/12/25</a:t>
             </a:fld>
             <a:endParaRPr lang="en-US"/>
           </a:p>
@@ -1407,7 +1524,7 @@
           <a:p>
             <a:fld id="{474AC19D-6691-A44B-84F7-FE3AB094DC93}" type="datetimeFigureOut">
               <a:rPr lang="en-US" smtClean="0"/>
-              <a:t>3/10/25</a:t>
+              <a:t>3/12/25</a:t>
             </a:fld>
             <a:endParaRPr lang="en-US"/>
           </a:p>
@@ -1587,7 +1704,7 @@
           <a:p>
             <a:fld id="{474AC19D-6691-A44B-84F7-FE3AB094DC93}" type="datetimeFigureOut">
               <a:rPr lang="en-US" smtClean="0"/>
-              <a:t>3/10/25</a:t>
+              <a:t>3/12/25</a:t>
             </a:fld>
             <a:endParaRPr lang="en-US"/>
           </a:p>
@@ -1757,7 +1874,7 @@
           <a:p>
             <a:fld id="{474AC19D-6691-A44B-84F7-FE3AB094DC93}" type="datetimeFigureOut">
               <a:rPr lang="en-US" smtClean="0"/>
-              <a:t>3/10/25</a:t>
+              <a:t>3/12/25</a:t>
             </a:fld>
             <a:endParaRPr lang="en-US"/>
           </a:p>
@@ -2025,7 +2142,7 @@
           <a:p>
             <a:fld id="{474AC19D-6691-A44B-84F7-FE3AB094DC93}" type="datetimeFigureOut">
               <a:rPr lang="en-US" smtClean="0"/>
-              <a:t>3/10/25</a:t>
+              <a:t>3/12/25</a:t>
             </a:fld>
             <a:endParaRPr lang="en-US"/>
           </a:p>
@@ -2257,7 +2374,7 @@
           <a:p>
             <a:fld id="{474AC19D-6691-A44B-84F7-FE3AB094DC93}" type="datetimeFigureOut">
               <a:rPr lang="en-US" smtClean="0"/>
-              <a:t>3/10/25</a:t>
+              <a:t>3/12/25</a:t>
             </a:fld>
             <a:endParaRPr lang="en-US"/>
           </a:p>
@@ -2616,7 +2733,7 @@
           <a:p>
             <a:fld id="{474AC19D-6691-A44B-84F7-FE3AB094DC93}" type="datetimeFigureOut">
               <a:rPr lang="en-US" smtClean="0"/>
-              <a:t>3/10/25</a:t>
+              <a:t>3/12/25</a:t>
             </a:fld>
             <a:endParaRPr lang="en-US"/>
           </a:p>
@@ -2757,7 +2874,7 @@
           <a:p>
             <a:fld id="{474AC19D-6691-A44B-84F7-FE3AB094DC93}" type="datetimeFigureOut">
               <a:rPr lang="en-US" smtClean="0"/>
-              <a:t>3/10/25</a:t>
+              <a:t>3/12/25</a:t>
             </a:fld>
             <a:endParaRPr lang="en-US"/>
           </a:p>
@@ -2852,7 +2969,7 @@
           <a:p>
             <a:fld id="{474AC19D-6691-A44B-84F7-FE3AB094DC93}" type="datetimeFigureOut">
               <a:rPr lang="en-US" smtClean="0"/>
-              <a:t>3/10/25</a:t>
+              <a:t>3/12/25</a:t>
             </a:fld>
             <a:endParaRPr lang="en-US"/>
           </a:p>
@@ -3209,7 +3326,7 @@
           <a:p>
             <a:fld id="{474AC19D-6691-A44B-84F7-FE3AB094DC93}" type="datetimeFigureOut">
               <a:rPr lang="en-US" smtClean="0"/>
-              <a:t>3/10/25</a:t>
+              <a:t>3/12/25</a:t>
             </a:fld>
             <a:endParaRPr lang="en-US"/>
           </a:p>
@@ -3566,7 +3683,7 @@
           <a:p>
             <a:fld id="{474AC19D-6691-A44B-84F7-FE3AB094DC93}" type="datetimeFigureOut">
               <a:rPr lang="en-US" smtClean="0"/>
-              <a:t>3/10/25</a:t>
+              <a:t>3/12/25</a:t>
             </a:fld>
             <a:endParaRPr lang="en-US"/>
           </a:p>
@@ -3808,7 +3925,7 @@
           <a:p>
             <a:fld id="{474AC19D-6691-A44B-84F7-FE3AB094DC93}" type="datetimeFigureOut">
               <a:rPr lang="en-US" smtClean="0"/>
-              <a:t>3/10/25</a:t>
+              <a:t>3/12/25</a:t>
             </a:fld>
             <a:endParaRPr lang="en-US"/>
           </a:p>
@@ -5599,12 +5716,756 @@
           </a:p>
         </p:txBody>
       </p:sp>
+      <p:sp>
+        <p:nvSpPr>
+          <p:cNvPr id="16" name="Content Placeholder 2">
+            <a:extLst>
+              <a:ext uri="{FF2B5EF4-FFF2-40B4-BE49-F238E27FC236}">
+                <a16:creationId xmlns:a16="http://schemas.microsoft.com/office/drawing/2014/main" id="{105A857A-7D81-F95D-208E-C15DE1E4E830}"/>
+              </a:ext>
+            </a:extLst>
+          </p:cNvPr>
+          <p:cNvSpPr txBox="1">
+            <a:spLocks/>
+          </p:cNvSpPr>
+          <p:nvPr/>
+        </p:nvSpPr>
+        <p:spPr>
+          <a:xfrm>
+            <a:off x="2074233" y="6420793"/>
+            <a:ext cx="3492993" cy="404438"/>
+          </a:xfrm>
+          <a:prstGeom prst="rect">
+            <a:avLst/>
+          </a:prstGeom>
+        </p:spPr>
+        <p:txBody>
+          <a:bodyPr vert="horz" lIns="91440" tIns="45720" rIns="91440" bIns="45720" rtlCol="0">
+            <a:normAutofit fontScale="85000" lnSpcReduction="10000"/>
+          </a:bodyPr>
+          <a:lstStyle>
+            <a:lvl1pPr marL="228600" indent="-228600" algn="l" defTabSz="914400" rtl="0" eaLnBrk="1" latinLnBrk="0" hangingPunct="1">
+              <a:lnSpc>
+                <a:spcPct val="100000"/>
+              </a:lnSpc>
+              <a:spcBef>
+                <a:spcPts val="1000"/>
+              </a:spcBef>
+              <a:buClr>
+                <a:schemeClr val="accent2"/>
+              </a:buClr>
+              <a:buFont typeface="Arial" panose="020B0604020202020204" pitchFamily="34" charset="0"/>
+              <a:buChar char="•"/>
+              <a:defRPr sz="1800" kern="1200">
+                <a:solidFill>
+                  <a:schemeClr val="tx1">
+                    <a:lumMod val="85000"/>
+                    <a:lumOff val="15000"/>
+                  </a:schemeClr>
+                </a:solidFill>
+                <a:latin typeface="+mn-lt"/>
+                <a:ea typeface="+mn-ea"/>
+                <a:cs typeface="+mn-cs"/>
+              </a:defRPr>
+            </a:lvl1pPr>
+            <a:lvl2pPr marL="457200" indent="-228600" algn="l" defTabSz="914400" rtl="0" eaLnBrk="1" latinLnBrk="0" hangingPunct="1">
+              <a:lnSpc>
+                <a:spcPct val="100000"/>
+              </a:lnSpc>
+              <a:spcBef>
+                <a:spcPts val="1000"/>
+              </a:spcBef>
+              <a:buClr>
+                <a:schemeClr val="accent2"/>
+              </a:buClr>
+              <a:buFont typeface="Arial" panose="020B0604020202020204" pitchFamily="34" charset="0"/>
+              <a:buChar char="•"/>
+              <a:defRPr sz="1600" kern="1200">
+                <a:solidFill>
+                  <a:schemeClr val="tx1">
+                    <a:lumMod val="85000"/>
+                    <a:lumOff val="15000"/>
+                  </a:schemeClr>
+                </a:solidFill>
+                <a:latin typeface="+mn-lt"/>
+                <a:ea typeface="+mn-ea"/>
+                <a:cs typeface="+mn-cs"/>
+              </a:defRPr>
+            </a:lvl2pPr>
+            <a:lvl3pPr marL="685800" indent="-228600" algn="l" defTabSz="914400" rtl="0" eaLnBrk="1" latinLnBrk="0" hangingPunct="1">
+              <a:lnSpc>
+                <a:spcPct val="100000"/>
+              </a:lnSpc>
+              <a:spcBef>
+                <a:spcPts val="1000"/>
+              </a:spcBef>
+              <a:buClr>
+                <a:schemeClr val="accent2"/>
+              </a:buClr>
+              <a:buFont typeface="Arial" panose="020B0604020202020204" pitchFamily="34" charset="0"/>
+              <a:buChar char="•"/>
+              <a:defRPr sz="1600" kern="1200">
+                <a:solidFill>
+                  <a:schemeClr val="tx1">
+                    <a:lumMod val="85000"/>
+                    <a:lumOff val="15000"/>
+                  </a:schemeClr>
+                </a:solidFill>
+                <a:latin typeface="+mn-lt"/>
+                <a:ea typeface="+mn-ea"/>
+                <a:cs typeface="+mn-cs"/>
+              </a:defRPr>
+            </a:lvl3pPr>
+            <a:lvl4pPr marL="914400" indent="-228600" algn="l" defTabSz="914400" rtl="0" eaLnBrk="1" latinLnBrk="0" hangingPunct="1">
+              <a:lnSpc>
+                <a:spcPct val="100000"/>
+              </a:lnSpc>
+              <a:spcBef>
+                <a:spcPts val="1000"/>
+              </a:spcBef>
+              <a:buClr>
+                <a:schemeClr val="accent2"/>
+              </a:buClr>
+              <a:buFont typeface="Arial" panose="020B0604020202020204" pitchFamily="34" charset="0"/>
+              <a:buChar char="•"/>
+              <a:defRPr sz="1600" kern="1200">
+                <a:solidFill>
+                  <a:schemeClr val="tx1">
+                    <a:lumMod val="85000"/>
+                    <a:lumOff val="15000"/>
+                  </a:schemeClr>
+                </a:solidFill>
+                <a:latin typeface="+mn-lt"/>
+                <a:ea typeface="+mn-ea"/>
+                <a:cs typeface="+mn-cs"/>
+              </a:defRPr>
+            </a:lvl4pPr>
+            <a:lvl5pPr marL="1143000" indent="-228600" algn="l" defTabSz="914400" rtl="0" eaLnBrk="1" latinLnBrk="0" hangingPunct="1">
+              <a:lnSpc>
+                <a:spcPct val="100000"/>
+              </a:lnSpc>
+              <a:spcBef>
+                <a:spcPts val="1000"/>
+              </a:spcBef>
+              <a:buClr>
+                <a:schemeClr val="accent2"/>
+              </a:buClr>
+              <a:buFont typeface="Arial" panose="020B0604020202020204" pitchFamily="34" charset="0"/>
+              <a:buChar char="•"/>
+              <a:defRPr sz="1600" kern="1200">
+                <a:solidFill>
+                  <a:schemeClr val="tx1">
+                    <a:lumMod val="85000"/>
+                    <a:lumOff val="15000"/>
+                  </a:schemeClr>
+                </a:solidFill>
+                <a:latin typeface="+mn-lt"/>
+                <a:ea typeface="+mn-ea"/>
+                <a:cs typeface="+mn-cs"/>
+              </a:defRPr>
+            </a:lvl5pPr>
+            <a:lvl6pPr marL="1312863" indent="-228600" algn="l" defTabSz="914400" rtl="0" eaLnBrk="1" latinLnBrk="0" hangingPunct="1">
+              <a:lnSpc>
+                <a:spcPct val="100000"/>
+              </a:lnSpc>
+              <a:spcBef>
+                <a:spcPts val="1000"/>
+              </a:spcBef>
+              <a:buClr>
+                <a:schemeClr val="accent2"/>
+              </a:buClr>
+              <a:buFont typeface="Arial" panose="020B0604020202020204" pitchFamily="34" charset="0"/>
+              <a:buChar char="•"/>
+              <a:defRPr sz="1600" kern="1200">
+                <a:solidFill>
+                  <a:schemeClr val="tx1"/>
+                </a:solidFill>
+                <a:latin typeface="+mn-lt"/>
+                <a:ea typeface="+mn-ea"/>
+                <a:cs typeface="+mn-cs"/>
+              </a:defRPr>
+            </a:lvl6pPr>
+            <a:lvl7pPr marL="1484313" indent="-228600" algn="l" defTabSz="914400" rtl="0" eaLnBrk="1" latinLnBrk="0" hangingPunct="1">
+              <a:lnSpc>
+                <a:spcPct val="100000"/>
+              </a:lnSpc>
+              <a:spcBef>
+                <a:spcPts val="1000"/>
+              </a:spcBef>
+              <a:buClr>
+                <a:schemeClr val="accent2"/>
+              </a:buClr>
+              <a:buFont typeface="Arial" panose="020B0604020202020204" pitchFamily="34" charset="0"/>
+              <a:buChar char="•"/>
+              <a:defRPr sz="1600" kern="1200">
+                <a:solidFill>
+                  <a:schemeClr val="tx1"/>
+                </a:solidFill>
+                <a:latin typeface="+mn-lt"/>
+                <a:ea typeface="+mn-ea"/>
+                <a:cs typeface="+mn-cs"/>
+              </a:defRPr>
+            </a:lvl7pPr>
+            <a:lvl8pPr marL="1657350" indent="-228600" algn="l" defTabSz="914400" rtl="0" eaLnBrk="1" latinLnBrk="0" hangingPunct="1">
+              <a:lnSpc>
+                <a:spcPct val="100000"/>
+              </a:lnSpc>
+              <a:spcBef>
+                <a:spcPts val="1000"/>
+              </a:spcBef>
+              <a:buClr>
+                <a:schemeClr val="accent2"/>
+              </a:buClr>
+              <a:buFont typeface="Arial" panose="020B0604020202020204" pitchFamily="34" charset="0"/>
+              <a:buChar char="•"/>
+              <a:defRPr sz="1600" kern="1200" baseline="0">
+                <a:solidFill>
+                  <a:schemeClr val="tx1"/>
+                </a:solidFill>
+                <a:latin typeface="+mn-lt"/>
+                <a:ea typeface="+mn-ea"/>
+                <a:cs typeface="+mn-cs"/>
+              </a:defRPr>
+            </a:lvl8pPr>
+            <a:lvl9pPr marL="1882775" indent="-228600" algn="l" defTabSz="914400" rtl="0" eaLnBrk="1" latinLnBrk="0" hangingPunct="1">
+              <a:lnSpc>
+                <a:spcPct val="100000"/>
+              </a:lnSpc>
+              <a:spcBef>
+                <a:spcPts val="1000"/>
+              </a:spcBef>
+              <a:buClr>
+                <a:schemeClr val="accent2"/>
+              </a:buClr>
+              <a:buFont typeface="Arial" panose="020B0604020202020204" pitchFamily="34" charset="0"/>
+              <a:buChar char="•"/>
+              <a:defRPr sz="1600" kern="1200" baseline="0">
+                <a:solidFill>
+                  <a:schemeClr val="tx1"/>
+                </a:solidFill>
+                <a:latin typeface="+mn-lt"/>
+                <a:ea typeface="+mn-ea"/>
+                <a:cs typeface="+mn-cs"/>
+              </a:defRPr>
+            </a:lvl9pPr>
+          </a:lstStyle>
+          <a:p>
+            <a:pPr marL="0" indent="0" algn="ctr">
+              <a:buFont typeface="Arial" panose="020B0604020202020204" pitchFamily="34" charset="0"/>
+              <a:buNone/>
+            </a:pPr>
+            <a:r>
+              <a:rPr lang="en-US" sz="1500" dirty="0"/>
+              <a:t>Comparison of Loan Amount per Property Area</a:t>
+            </a:r>
+          </a:p>
+          <a:p>
+            <a:pPr marL="0" indent="0" algn="ctr">
+              <a:buFont typeface="Arial" panose="020B0604020202020204" pitchFamily="34" charset="0"/>
+              <a:buNone/>
+            </a:pPr>
+            <a:endParaRPr lang="en-US" sz="1500" dirty="0"/>
+          </a:p>
+        </p:txBody>
+      </p:sp>
+      <p:sp>
+        <p:nvSpPr>
+          <p:cNvPr id="17" name="Down Arrow 16">
+            <a:extLst>
+              <a:ext uri="{FF2B5EF4-FFF2-40B4-BE49-F238E27FC236}">
+                <a16:creationId xmlns:a16="http://schemas.microsoft.com/office/drawing/2014/main" id="{1D6F027F-8B11-6DDC-318B-B0245EE52951}"/>
+              </a:ext>
+            </a:extLst>
+          </p:cNvPr>
+          <p:cNvSpPr/>
+          <p:nvPr/>
+        </p:nvSpPr>
+        <p:spPr>
+          <a:xfrm rot="10800000">
+            <a:off x="3711437" y="5978839"/>
+            <a:ext cx="218584" cy="329681"/>
+          </a:xfrm>
+          <a:prstGeom prst="downArrow">
+            <a:avLst/>
+          </a:prstGeom>
+          <a:solidFill>
+            <a:schemeClr val="tx2"/>
+          </a:solidFill>
+          <a:ln>
+            <a:solidFill>
+              <a:schemeClr val="tx2"/>
+            </a:solidFill>
+          </a:ln>
+        </p:spPr>
+        <p:style>
+          <a:lnRef idx="2">
+            <a:schemeClr val="accent6"/>
+          </a:lnRef>
+          <a:fillRef idx="1">
+            <a:schemeClr val="lt1"/>
+          </a:fillRef>
+          <a:effectRef idx="0">
+            <a:schemeClr val="accent6"/>
+          </a:effectRef>
+          <a:fontRef idx="minor">
+            <a:schemeClr val="dk1"/>
+          </a:fontRef>
+        </p:style>
+        <p:txBody>
+          <a:bodyPr rtlCol="0" anchor="ctr"/>
+          <a:lstStyle/>
+          <a:p>
+            <a:pPr algn="ctr"/>
+            <a:endParaRPr lang="en-US" b="1" dirty="0"/>
+          </a:p>
+        </p:txBody>
+      </p:sp>
+      <p:sp>
+        <p:nvSpPr>
+          <p:cNvPr id="18" name="Content Placeholder 2">
+            <a:extLst>
+              <a:ext uri="{FF2B5EF4-FFF2-40B4-BE49-F238E27FC236}">
+                <a16:creationId xmlns:a16="http://schemas.microsoft.com/office/drawing/2014/main" id="{A07859A3-8E2D-4E29-F96D-68180DD8272C}"/>
+              </a:ext>
+            </a:extLst>
+          </p:cNvPr>
+          <p:cNvSpPr txBox="1">
+            <a:spLocks/>
+          </p:cNvSpPr>
+          <p:nvPr/>
+        </p:nvSpPr>
+        <p:spPr>
+          <a:xfrm>
+            <a:off x="7715744" y="6458172"/>
+            <a:ext cx="3804786" cy="329681"/>
+          </a:xfrm>
+          <a:prstGeom prst="rect">
+            <a:avLst/>
+          </a:prstGeom>
+        </p:spPr>
+        <p:txBody>
+          <a:bodyPr vert="horz" lIns="91440" tIns="45720" rIns="91440" bIns="45720" rtlCol="0">
+            <a:normAutofit/>
+          </a:bodyPr>
+          <a:lstStyle>
+            <a:lvl1pPr marL="228600" indent="-228600" algn="l" defTabSz="914400" rtl="0" eaLnBrk="1" latinLnBrk="0" hangingPunct="1">
+              <a:lnSpc>
+                <a:spcPct val="100000"/>
+              </a:lnSpc>
+              <a:spcBef>
+                <a:spcPts val="1000"/>
+              </a:spcBef>
+              <a:buClr>
+                <a:schemeClr val="accent2"/>
+              </a:buClr>
+              <a:buFont typeface="Arial" panose="020B0604020202020204" pitchFamily="34" charset="0"/>
+              <a:buChar char="•"/>
+              <a:defRPr sz="1800" kern="1200">
+                <a:solidFill>
+                  <a:schemeClr val="tx1">
+                    <a:lumMod val="85000"/>
+                    <a:lumOff val="15000"/>
+                  </a:schemeClr>
+                </a:solidFill>
+                <a:latin typeface="+mn-lt"/>
+                <a:ea typeface="+mn-ea"/>
+                <a:cs typeface="+mn-cs"/>
+              </a:defRPr>
+            </a:lvl1pPr>
+            <a:lvl2pPr marL="457200" indent="-228600" algn="l" defTabSz="914400" rtl="0" eaLnBrk="1" latinLnBrk="0" hangingPunct="1">
+              <a:lnSpc>
+                <a:spcPct val="100000"/>
+              </a:lnSpc>
+              <a:spcBef>
+                <a:spcPts val="1000"/>
+              </a:spcBef>
+              <a:buClr>
+                <a:schemeClr val="accent2"/>
+              </a:buClr>
+              <a:buFont typeface="Arial" panose="020B0604020202020204" pitchFamily="34" charset="0"/>
+              <a:buChar char="•"/>
+              <a:defRPr sz="1600" kern="1200">
+                <a:solidFill>
+                  <a:schemeClr val="tx1">
+                    <a:lumMod val="85000"/>
+                    <a:lumOff val="15000"/>
+                  </a:schemeClr>
+                </a:solidFill>
+                <a:latin typeface="+mn-lt"/>
+                <a:ea typeface="+mn-ea"/>
+                <a:cs typeface="+mn-cs"/>
+              </a:defRPr>
+            </a:lvl2pPr>
+            <a:lvl3pPr marL="685800" indent="-228600" algn="l" defTabSz="914400" rtl="0" eaLnBrk="1" latinLnBrk="0" hangingPunct="1">
+              <a:lnSpc>
+                <a:spcPct val="100000"/>
+              </a:lnSpc>
+              <a:spcBef>
+                <a:spcPts val="1000"/>
+              </a:spcBef>
+              <a:buClr>
+                <a:schemeClr val="accent2"/>
+              </a:buClr>
+              <a:buFont typeface="Arial" panose="020B0604020202020204" pitchFamily="34" charset="0"/>
+              <a:buChar char="•"/>
+              <a:defRPr sz="1600" kern="1200">
+                <a:solidFill>
+                  <a:schemeClr val="tx1">
+                    <a:lumMod val="85000"/>
+                    <a:lumOff val="15000"/>
+                  </a:schemeClr>
+                </a:solidFill>
+                <a:latin typeface="+mn-lt"/>
+                <a:ea typeface="+mn-ea"/>
+                <a:cs typeface="+mn-cs"/>
+              </a:defRPr>
+            </a:lvl3pPr>
+            <a:lvl4pPr marL="914400" indent="-228600" algn="l" defTabSz="914400" rtl="0" eaLnBrk="1" latinLnBrk="0" hangingPunct="1">
+              <a:lnSpc>
+                <a:spcPct val="100000"/>
+              </a:lnSpc>
+              <a:spcBef>
+                <a:spcPts val="1000"/>
+              </a:spcBef>
+              <a:buClr>
+                <a:schemeClr val="accent2"/>
+              </a:buClr>
+              <a:buFont typeface="Arial" panose="020B0604020202020204" pitchFamily="34" charset="0"/>
+              <a:buChar char="•"/>
+              <a:defRPr sz="1600" kern="1200">
+                <a:solidFill>
+                  <a:schemeClr val="tx1">
+                    <a:lumMod val="85000"/>
+                    <a:lumOff val="15000"/>
+                  </a:schemeClr>
+                </a:solidFill>
+                <a:latin typeface="+mn-lt"/>
+                <a:ea typeface="+mn-ea"/>
+                <a:cs typeface="+mn-cs"/>
+              </a:defRPr>
+            </a:lvl4pPr>
+            <a:lvl5pPr marL="1143000" indent="-228600" algn="l" defTabSz="914400" rtl="0" eaLnBrk="1" latinLnBrk="0" hangingPunct="1">
+              <a:lnSpc>
+                <a:spcPct val="100000"/>
+              </a:lnSpc>
+              <a:spcBef>
+                <a:spcPts val="1000"/>
+              </a:spcBef>
+              <a:buClr>
+                <a:schemeClr val="accent2"/>
+              </a:buClr>
+              <a:buFont typeface="Arial" panose="020B0604020202020204" pitchFamily="34" charset="0"/>
+              <a:buChar char="•"/>
+              <a:defRPr sz="1600" kern="1200">
+                <a:solidFill>
+                  <a:schemeClr val="tx1">
+                    <a:lumMod val="85000"/>
+                    <a:lumOff val="15000"/>
+                  </a:schemeClr>
+                </a:solidFill>
+                <a:latin typeface="+mn-lt"/>
+                <a:ea typeface="+mn-ea"/>
+                <a:cs typeface="+mn-cs"/>
+              </a:defRPr>
+            </a:lvl5pPr>
+            <a:lvl6pPr marL="1312863" indent="-228600" algn="l" defTabSz="914400" rtl="0" eaLnBrk="1" latinLnBrk="0" hangingPunct="1">
+              <a:lnSpc>
+                <a:spcPct val="100000"/>
+              </a:lnSpc>
+              <a:spcBef>
+                <a:spcPts val="1000"/>
+              </a:spcBef>
+              <a:buClr>
+                <a:schemeClr val="accent2"/>
+              </a:buClr>
+              <a:buFont typeface="Arial" panose="020B0604020202020204" pitchFamily="34" charset="0"/>
+              <a:buChar char="•"/>
+              <a:defRPr sz="1600" kern="1200">
+                <a:solidFill>
+                  <a:schemeClr val="tx1"/>
+                </a:solidFill>
+                <a:latin typeface="+mn-lt"/>
+                <a:ea typeface="+mn-ea"/>
+                <a:cs typeface="+mn-cs"/>
+              </a:defRPr>
+            </a:lvl6pPr>
+            <a:lvl7pPr marL="1484313" indent="-228600" algn="l" defTabSz="914400" rtl="0" eaLnBrk="1" latinLnBrk="0" hangingPunct="1">
+              <a:lnSpc>
+                <a:spcPct val="100000"/>
+              </a:lnSpc>
+              <a:spcBef>
+                <a:spcPts val="1000"/>
+              </a:spcBef>
+              <a:buClr>
+                <a:schemeClr val="accent2"/>
+              </a:buClr>
+              <a:buFont typeface="Arial" panose="020B0604020202020204" pitchFamily="34" charset="0"/>
+              <a:buChar char="•"/>
+              <a:defRPr sz="1600" kern="1200">
+                <a:solidFill>
+                  <a:schemeClr val="tx1"/>
+                </a:solidFill>
+                <a:latin typeface="+mn-lt"/>
+                <a:ea typeface="+mn-ea"/>
+                <a:cs typeface="+mn-cs"/>
+              </a:defRPr>
+            </a:lvl7pPr>
+            <a:lvl8pPr marL="1657350" indent="-228600" algn="l" defTabSz="914400" rtl="0" eaLnBrk="1" latinLnBrk="0" hangingPunct="1">
+              <a:lnSpc>
+                <a:spcPct val="100000"/>
+              </a:lnSpc>
+              <a:spcBef>
+                <a:spcPts val="1000"/>
+              </a:spcBef>
+              <a:buClr>
+                <a:schemeClr val="accent2"/>
+              </a:buClr>
+              <a:buFont typeface="Arial" panose="020B0604020202020204" pitchFamily="34" charset="0"/>
+              <a:buChar char="•"/>
+              <a:defRPr sz="1600" kern="1200" baseline="0">
+                <a:solidFill>
+                  <a:schemeClr val="tx1"/>
+                </a:solidFill>
+                <a:latin typeface="+mn-lt"/>
+                <a:ea typeface="+mn-ea"/>
+                <a:cs typeface="+mn-cs"/>
+              </a:defRPr>
+            </a:lvl8pPr>
+            <a:lvl9pPr marL="1882775" indent="-228600" algn="l" defTabSz="914400" rtl="0" eaLnBrk="1" latinLnBrk="0" hangingPunct="1">
+              <a:lnSpc>
+                <a:spcPct val="100000"/>
+              </a:lnSpc>
+              <a:spcBef>
+                <a:spcPts val="1000"/>
+              </a:spcBef>
+              <a:buClr>
+                <a:schemeClr val="accent2"/>
+              </a:buClr>
+              <a:buFont typeface="Arial" panose="020B0604020202020204" pitchFamily="34" charset="0"/>
+              <a:buChar char="•"/>
+              <a:defRPr sz="1600" kern="1200" baseline="0">
+                <a:solidFill>
+                  <a:schemeClr val="tx1"/>
+                </a:solidFill>
+                <a:latin typeface="+mn-lt"/>
+                <a:ea typeface="+mn-ea"/>
+                <a:cs typeface="+mn-cs"/>
+              </a:defRPr>
+            </a:lvl9pPr>
+          </a:lstStyle>
+          <a:p>
+            <a:pPr marL="0" indent="0" algn="ctr">
+              <a:buFont typeface="Arial" panose="020B0604020202020204" pitchFamily="34" charset="0"/>
+              <a:buNone/>
+            </a:pPr>
+            <a:r>
+              <a:rPr lang="en-US" sz="1300" dirty="0"/>
+              <a:t>Comparison of Loan Amount per Martial Status</a:t>
+            </a:r>
+          </a:p>
+        </p:txBody>
+      </p:sp>
+      <p:sp>
+        <p:nvSpPr>
+          <p:cNvPr id="19" name="Down Arrow 18">
+            <a:extLst>
+              <a:ext uri="{FF2B5EF4-FFF2-40B4-BE49-F238E27FC236}">
+                <a16:creationId xmlns:a16="http://schemas.microsoft.com/office/drawing/2014/main" id="{C58082A4-98FC-9A3A-F508-67A30AF139C2}"/>
+              </a:ext>
+            </a:extLst>
+          </p:cNvPr>
+          <p:cNvSpPr/>
+          <p:nvPr/>
+        </p:nvSpPr>
+        <p:spPr>
+          <a:xfrm rot="10800000">
+            <a:off x="9508845" y="6057393"/>
+            <a:ext cx="218584" cy="329681"/>
+          </a:xfrm>
+          <a:prstGeom prst="downArrow">
+            <a:avLst/>
+          </a:prstGeom>
+          <a:solidFill>
+            <a:schemeClr val="tx2"/>
+          </a:solidFill>
+          <a:ln>
+            <a:solidFill>
+              <a:schemeClr val="tx2"/>
+            </a:solidFill>
+          </a:ln>
+        </p:spPr>
+        <p:style>
+          <a:lnRef idx="2">
+            <a:schemeClr val="accent6"/>
+          </a:lnRef>
+          <a:fillRef idx="1">
+            <a:schemeClr val="lt1"/>
+          </a:fillRef>
+          <a:effectRef idx="0">
+            <a:schemeClr val="accent6"/>
+          </a:effectRef>
+          <a:fontRef idx="minor">
+            <a:schemeClr val="dk1"/>
+          </a:fontRef>
+        </p:style>
+        <p:txBody>
+          <a:bodyPr rtlCol="0" anchor="ctr"/>
+          <a:lstStyle/>
+          <a:p>
+            <a:pPr algn="ctr"/>
+            <a:endParaRPr lang="en-US" b="1" dirty="0"/>
+          </a:p>
+        </p:txBody>
+      </p:sp>
+      <p:pic>
+        <p:nvPicPr>
+          <p:cNvPr id="4" name="Picture 3" descr="A graph of a graph with red and blue rectangles&#10;&#10;AI-generated content may be incorrect.">
+            <a:extLst>
+              <a:ext uri="{FF2B5EF4-FFF2-40B4-BE49-F238E27FC236}">
+                <a16:creationId xmlns:a16="http://schemas.microsoft.com/office/drawing/2014/main" id="{DED93CDB-7282-5738-24AE-AE9F7BADBB44}"/>
+              </a:ext>
+            </a:extLst>
+          </p:cNvPr>
+          <p:cNvPicPr>
+            <a:picLocks noChangeAspect="1"/>
+          </p:cNvPicPr>
+          <p:nvPr/>
+        </p:nvPicPr>
+        <p:blipFill>
+          <a:blip r:embed="rId3"/>
+          <a:stretch>
+            <a:fillRect/>
+          </a:stretch>
+        </p:blipFill>
+        <p:spPr>
+          <a:xfrm>
+            <a:off x="7941737" y="1299995"/>
+            <a:ext cx="3352800" cy="4686300"/>
+          </a:xfrm>
+          <a:prstGeom prst="rect">
+            <a:avLst/>
+          </a:prstGeom>
+        </p:spPr>
+      </p:pic>
+      <p:pic>
+        <p:nvPicPr>
+          <p:cNvPr id="6" name="Picture 5" descr="A screenshot of a graph&#10;&#10;AI-generated content may be incorrect.">
+            <a:extLst>
+              <a:ext uri="{FF2B5EF4-FFF2-40B4-BE49-F238E27FC236}">
+                <a16:creationId xmlns:a16="http://schemas.microsoft.com/office/drawing/2014/main" id="{69BD0B99-3337-A0E3-9D8A-06CC6DC815EC}"/>
+              </a:ext>
+            </a:extLst>
+          </p:cNvPr>
+          <p:cNvPicPr>
+            <a:picLocks noChangeAspect="1"/>
+          </p:cNvPicPr>
+          <p:nvPr/>
+        </p:nvPicPr>
+        <p:blipFill>
+          <a:blip r:embed="rId4"/>
+          <a:stretch>
+            <a:fillRect/>
+          </a:stretch>
+        </p:blipFill>
+        <p:spPr>
+          <a:xfrm>
+            <a:off x="596469" y="1419724"/>
+            <a:ext cx="6448522" cy="4446843"/>
+          </a:xfrm>
+          <a:prstGeom prst="rect">
+            <a:avLst/>
+          </a:prstGeom>
+        </p:spPr>
+      </p:pic>
+    </p:spTree>
+    <p:extLst>
+      <p:ext uri="{BB962C8B-B14F-4D97-AF65-F5344CB8AC3E}">
+        <p14:creationId xmlns:p14="http://schemas.microsoft.com/office/powerpoint/2010/main" val="2235405023"/>
+      </p:ext>
+    </p:extLst>
+  </p:cSld>
+  <p:clrMapOvr>
+    <a:masterClrMapping/>
+  </p:clrMapOvr>
+</p:sld>
+</file>
+
+<file path=ppt/slides/slide5.xml><?xml version="1.0" encoding="utf-8"?>
+<p:sld xmlns:a="http://schemas.openxmlformats.org/drawingml/2006/main" xmlns:r="http://schemas.openxmlformats.org/officeDocument/2006/relationships" xmlns:p="http://schemas.openxmlformats.org/presentationml/2006/main">
+  <p:cSld>
+    <p:bg>
+      <p:bgPr>
+        <a:solidFill>
+          <a:schemeClr val="accent2">
+            <a:alpha val="30000"/>
+          </a:schemeClr>
+        </a:solidFill>
+        <a:effectLst/>
+      </p:bgPr>
+    </p:bg>
+    <p:spTree>
+      <p:nvGrpSpPr>
+        <p:cNvPr id="1" name="">
+          <a:extLst>
+            <a:ext uri="{FF2B5EF4-FFF2-40B4-BE49-F238E27FC236}">
+              <a16:creationId xmlns:a16="http://schemas.microsoft.com/office/drawing/2014/main" id="{12DD08E7-37EF-1414-1F5E-81F081D1C59C}"/>
+            </a:ext>
+          </a:extLst>
+        </p:cNvPr>
+        <p:cNvGrpSpPr/>
+        <p:nvPr/>
+      </p:nvGrpSpPr>
+      <p:grpSpPr>
+        <a:xfrm>
+          <a:off x="0" y="0"/>
+          <a:ext cx="0" cy="0"/>
+          <a:chOff x="0" y="0"/>
+          <a:chExt cx="0" cy="0"/>
+        </a:xfrm>
+      </p:grpSpPr>
+      <p:sp>
+        <p:nvSpPr>
+          <p:cNvPr id="2" name="Title 1">
+            <a:extLst>
+              <a:ext uri="{FF2B5EF4-FFF2-40B4-BE49-F238E27FC236}">
+                <a16:creationId xmlns:a16="http://schemas.microsoft.com/office/drawing/2014/main" id="{A9387630-1042-E09D-7F44-B9C446D73EA1}"/>
+              </a:ext>
+            </a:extLst>
+          </p:cNvPr>
+          <p:cNvSpPr>
+            <a:spLocks noGrp="1"/>
+          </p:cNvSpPr>
+          <p:nvPr>
+            <p:ph type="title"/>
+          </p:nvPr>
+        </p:nvSpPr>
+        <p:spPr>
+          <a:xfrm>
+            <a:off x="2231135" y="519485"/>
+            <a:ext cx="7729728" cy="1188720"/>
+          </a:xfrm>
+          <a:noFill/>
+          <a:ln>
+            <a:noFill/>
+          </a:ln>
+        </p:spPr>
+        <p:txBody>
+          <a:bodyPr/>
+          <a:lstStyle/>
+          <a:p>
+            <a:r>
+              <a:rPr lang="en-US" dirty="0"/>
+              <a:t>Exploratory Analysis</a:t>
+            </a:r>
+          </a:p>
+        </p:txBody>
+      </p:sp>
       <p:pic>
         <p:nvPicPr>
           <p:cNvPr id="9" name="Picture 8" descr="A comparison of a graph&#10;&#10;AI-generated content may be incorrect.">
             <a:extLst>
               <a:ext uri="{FF2B5EF4-FFF2-40B4-BE49-F238E27FC236}">
-                <a16:creationId xmlns:a16="http://schemas.microsoft.com/office/drawing/2014/main" id="{704D7256-A1FA-9735-1A20-4A3A50C1677E}"/>
+                <a16:creationId xmlns:a16="http://schemas.microsoft.com/office/drawing/2014/main" id="{97232891-17CF-24E3-DFE8-BEC59A68B17D}"/>
               </a:ext>
             </a:extLst>
           </p:cNvPr>
@@ -5634,7 +6495,7 @@
           <p:cNvPr id="11" name="Picture 10" descr="A graph of a red and blue rectangular object&#10;&#10;AI-generated content may be incorrect.">
             <a:extLst>
               <a:ext uri="{FF2B5EF4-FFF2-40B4-BE49-F238E27FC236}">
-                <a16:creationId xmlns:a16="http://schemas.microsoft.com/office/drawing/2014/main" id="{37F5A763-A5C9-5BD7-B4A5-9D1888905F3D}"/>
+                <a16:creationId xmlns:a16="http://schemas.microsoft.com/office/drawing/2014/main" id="{F026DF34-1A40-1BD9-720C-BACA3B8973C8}"/>
               </a:ext>
             </a:extLst>
           </p:cNvPr>
@@ -5664,7 +6525,7 @@
           <p:cNvPr id="15" name="Picture 14" descr="A screenshot of a graph&#10;&#10;AI-generated content may be incorrect.">
             <a:extLst>
               <a:ext uri="{FF2B5EF4-FFF2-40B4-BE49-F238E27FC236}">
-                <a16:creationId xmlns:a16="http://schemas.microsoft.com/office/drawing/2014/main" id="{6DCDBCD9-DBDB-1BA7-48D7-78E35582B7EB}"/>
+                <a16:creationId xmlns:a16="http://schemas.microsoft.com/office/drawing/2014/main" id="{C475AB94-0526-0A1B-0D43-B57D5EBC0D06}"/>
               </a:ext>
             </a:extLst>
           </p:cNvPr>
@@ -5694,7 +6555,7 @@
           <p:cNvPr id="16" name="Content Placeholder 2">
             <a:extLst>
               <a:ext uri="{FF2B5EF4-FFF2-40B4-BE49-F238E27FC236}">
-                <a16:creationId xmlns:a16="http://schemas.microsoft.com/office/drawing/2014/main" id="{105A857A-7D81-F95D-208E-C15DE1E4E830}"/>
+                <a16:creationId xmlns:a16="http://schemas.microsoft.com/office/drawing/2014/main" id="{FEFCE6A4-BD1E-0B47-D00A-FC50F518E3AD}"/>
               </a:ext>
             </a:extLst>
           </p:cNvPr>
@@ -5939,7 +6800,7 @@
           <p:cNvPr id="17" name="Down Arrow 16">
             <a:extLst>
               <a:ext uri="{FF2B5EF4-FFF2-40B4-BE49-F238E27FC236}">
-                <a16:creationId xmlns:a16="http://schemas.microsoft.com/office/drawing/2014/main" id="{1D6F027F-8B11-6DDC-318B-B0245EE52951}"/>
+                <a16:creationId xmlns:a16="http://schemas.microsoft.com/office/drawing/2014/main" id="{7A99C9E7-7544-3934-DF55-3AC8168A78FE}"/>
               </a:ext>
             </a:extLst>
           </p:cNvPr>
@@ -5991,7 +6852,7 @@
           <p:cNvPr id="18" name="Content Placeholder 2">
             <a:extLst>
               <a:ext uri="{FF2B5EF4-FFF2-40B4-BE49-F238E27FC236}">
-                <a16:creationId xmlns:a16="http://schemas.microsoft.com/office/drawing/2014/main" id="{A07859A3-8E2D-4E29-F96D-68180DD8272C}"/>
+                <a16:creationId xmlns:a16="http://schemas.microsoft.com/office/drawing/2014/main" id="{97DD5221-A250-97E2-83AB-31A92DD4225F}"/>
               </a:ext>
             </a:extLst>
           </p:cNvPr>
@@ -6236,7 +7097,7 @@
           <p:cNvPr id="19" name="Down Arrow 18">
             <a:extLst>
               <a:ext uri="{FF2B5EF4-FFF2-40B4-BE49-F238E27FC236}">
-                <a16:creationId xmlns:a16="http://schemas.microsoft.com/office/drawing/2014/main" id="{C58082A4-98FC-9A3A-F508-67A30AF139C2}"/>
+                <a16:creationId xmlns:a16="http://schemas.microsoft.com/office/drawing/2014/main" id="{F3E78EFA-4D7D-FC7A-F2BC-B6672C1CBD89}"/>
               </a:ext>
             </a:extLst>
           </p:cNvPr>
@@ -6288,7 +7149,7 @@
           <p:cNvPr id="20" name="Content Placeholder 2">
             <a:extLst>
               <a:ext uri="{FF2B5EF4-FFF2-40B4-BE49-F238E27FC236}">
-                <a16:creationId xmlns:a16="http://schemas.microsoft.com/office/drawing/2014/main" id="{131D3C5A-86BF-B350-D341-D6FB785815E9}"/>
+                <a16:creationId xmlns:a16="http://schemas.microsoft.com/office/drawing/2014/main" id="{47C43806-A371-46C1-FAA4-F939C47E69A2}"/>
               </a:ext>
             </a:extLst>
           </p:cNvPr>
@@ -6533,7 +7394,7 @@
           <p:cNvPr id="21" name="Down Arrow 20">
             <a:extLst>
               <a:ext uri="{FF2B5EF4-FFF2-40B4-BE49-F238E27FC236}">
-                <a16:creationId xmlns:a16="http://schemas.microsoft.com/office/drawing/2014/main" id="{3A5E2A8E-C947-7E7F-7E3C-F18BBDD6C70F}"/>
+                <a16:creationId xmlns:a16="http://schemas.microsoft.com/office/drawing/2014/main" id="{18AD1332-3C66-33DE-5018-E44C1D9FA3CD}"/>
               </a:ext>
             </a:extLst>
           </p:cNvPr>
@@ -6583,7 +7444,7 @@
     </p:spTree>
     <p:extLst>
       <p:ext uri="{BB962C8B-B14F-4D97-AF65-F5344CB8AC3E}">
-        <p14:creationId xmlns:p14="http://schemas.microsoft.com/office/powerpoint/2010/main" val="2235405023"/>
+        <p14:creationId xmlns:p14="http://schemas.microsoft.com/office/powerpoint/2010/main" val="1749088527"/>
       </p:ext>
     </p:extLst>
   </p:cSld>
@@ -6593,7 +7454,7 @@
 </p:sld>
 </file>
 
-<file path=ppt/slides/slide5.xml><?xml version="1.0" encoding="utf-8"?>
+<file path=ppt/slides/slide6.xml><?xml version="1.0" encoding="utf-8"?>
 <p:sld xmlns:a="http://schemas.openxmlformats.org/drawingml/2006/main" xmlns:r="http://schemas.openxmlformats.org/officeDocument/2006/relationships" xmlns:p="http://schemas.openxmlformats.org/presentationml/2006/main">
   <p:cSld>
     <p:bg>
@@ -7002,7 +7863,7 @@
 </p:sld>
 </file>
 
-<file path=ppt/slides/slide6.xml><?xml version="1.0" encoding="utf-8"?>
+<file path=ppt/slides/slide7.xml><?xml version="1.0" encoding="utf-8"?>
 <p:sld xmlns:a="http://schemas.openxmlformats.org/drawingml/2006/main" xmlns:r="http://schemas.openxmlformats.org/officeDocument/2006/relationships" xmlns:p="http://schemas.openxmlformats.org/presentationml/2006/main">
   <p:cSld>
     <p:bg>
@@ -8018,7 +8879,7 @@
 </p:sld>
 </file>
 
-<file path=ppt/slides/slide7.xml><?xml version="1.0" encoding="utf-8"?>
+<file path=ppt/slides/slide8.xml><?xml version="1.0" encoding="utf-8"?>
 <p:sld xmlns:a="http://schemas.openxmlformats.org/drawingml/2006/main" xmlns:r="http://schemas.openxmlformats.org/officeDocument/2006/relationships" xmlns:p="http://schemas.openxmlformats.org/presentationml/2006/main">
   <p:cSld>
     <p:bg>

--- a/Project4.pptx
+++ b/Project4.pptx
@@ -778,7 +778,7 @@
           <a:p>
             <a:r>
               <a:rPr lang="en-US" dirty="0"/>
-              <a:t>Rania</a:t>
+              <a:t>Rania -Tableau</a:t>
             </a:r>
           </a:p>
         </p:txBody>
@@ -883,7 +883,7 @@
           <a:p>
             <a:r>
               <a:rPr lang="en-US" dirty="0"/>
-              <a:t>Oanh</a:t>
+              <a:t>Oanh - Python</a:t>
             </a:r>
           </a:p>
         </p:txBody>

--- a/Project4.pptx
+++ b/Project4.pptx
@@ -778,7 +778,7 @@
           <a:p>
             <a:r>
               <a:rPr lang="en-US" dirty="0"/>
-              <a:t>Rania -Tableau</a:t>
+              <a:t>Rania</a:t>
             </a:r>
           </a:p>
         </p:txBody>
@@ -883,7 +883,7 @@
           <a:p>
             <a:r>
               <a:rPr lang="en-US" dirty="0"/>
-              <a:t>Oanh - Python</a:t>
+              <a:t>Oanh</a:t>
             </a:r>
           </a:p>
         </p:txBody>
@@ -5649,16 +5649,6 @@
 <file path=ppt/slides/slide4.xml><?xml version="1.0" encoding="utf-8"?>
 <p:sld xmlns:a="http://schemas.openxmlformats.org/drawingml/2006/main" xmlns:r="http://schemas.openxmlformats.org/officeDocument/2006/relationships" xmlns:p="http://schemas.openxmlformats.org/presentationml/2006/main">
   <p:cSld>
-    <p:bg>
-      <p:bgPr>
-        <a:solidFill>
-          <a:schemeClr val="accent2">
-            <a:alpha val="30000"/>
-          </a:schemeClr>
-        </a:solidFill>
-        <a:effectLst/>
-      </p:bgPr>
-    </p:bg>
     <p:spTree>
       <p:nvGrpSpPr>
         <p:cNvPr id="1" name="">
